--- a/Bachelor Præsentation.pptx
+++ b/Bachelor Præsentation.pptx
@@ -7,11 +7,13 @@
   <p:sldIdLst>
     <p:sldId id="256" r:id="rId2"/>
     <p:sldId id="257" r:id="rId3"/>
-    <p:sldId id="258" r:id="rId4"/>
-    <p:sldId id="259" r:id="rId5"/>
-    <p:sldId id="260" r:id="rId6"/>
-    <p:sldId id="261" r:id="rId7"/>
-    <p:sldId id="262" r:id="rId8"/>
+    <p:sldId id="263" r:id="rId4"/>
+    <p:sldId id="258" r:id="rId5"/>
+    <p:sldId id="259" r:id="rId6"/>
+    <p:sldId id="260" r:id="rId7"/>
+    <p:sldId id="261" r:id="rId8"/>
+    <p:sldId id="262" r:id="rId9"/>
+    <p:sldId id="264" r:id="rId10"/>
   </p:sldIdLst>
   <p:sldSz cx="12192000" cy="6858000"/>
   <p:notesSz cx="6858000" cy="9144000"/>
@@ -110,6 +112,11 @@
       </a:defRPr>
     </a:lvl9pPr>
   </p:defaultTextStyle>
+  <p:extLst>
+    <p:ext uri="{EFAFB233-063F-42B5-8137-9DF3F51BA10A}">
+      <p15:sldGuideLst xmlns:p15="http://schemas.microsoft.com/office/powerpoint/2012/main"/>
+    </p:ext>
+  </p:extLst>
 </p:presentation>
 </file>
 
@@ -309,7 +316,7 @@
             <a:fld id="{B61BEF0D-F0BB-DE4B-95CE-6DB70DBA9567}" type="datetimeFigureOut">
               <a:rPr lang="en-US" dirty="0"/>
               <a:pPr/>
-              <a:t>1/12/2018</a:t>
+              <a:t>1/13/2018</a:t>
             </a:fld>
             <a:endParaRPr lang="en-US" dirty="0"/>
           </a:p>
@@ -742,7 +749,7 @@
             <a:fld id="{B61BEF0D-F0BB-DE4B-95CE-6DB70DBA9567}" type="datetimeFigureOut">
               <a:rPr lang="en-US" dirty="0"/>
               <a:pPr/>
-              <a:t>1/12/2018</a:t>
+              <a:t>1/13/2018</a:t>
             </a:fld>
             <a:endParaRPr lang="en-US" dirty="0"/>
           </a:p>
@@ -989,7 +996,7 @@
             <a:fld id="{B61BEF0D-F0BB-DE4B-95CE-6DB70DBA9567}" type="datetimeFigureOut">
               <a:rPr lang="en-US" dirty="0"/>
               <a:pPr/>
-              <a:t>1/12/2018</a:t>
+              <a:t>1/13/2018</a:t>
             </a:fld>
             <a:endParaRPr lang="en-US" dirty="0"/>
           </a:p>
@@ -1294,7 +1301,7 @@
             <a:fld id="{B61BEF0D-F0BB-DE4B-95CE-6DB70DBA9567}" type="datetimeFigureOut">
               <a:rPr lang="en-US" dirty="0"/>
               <a:pPr/>
-              <a:t>1/12/2018</a:t>
+              <a:t>1/13/2018</a:t>
             </a:fld>
             <a:endParaRPr lang="en-US" dirty="0"/>
           </a:p>
@@ -1609,7 +1616,7 @@
             <a:fld id="{B61BEF0D-F0BB-DE4B-95CE-6DB70DBA9567}" type="datetimeFigureOut">
               <a:rPr lang="en-US" dirty="0"/>
               <a:pPr/>
-              <a:t>1/12/2018</a:t>
+              <a:t>1/13/2018</a:t>
             </a:fld>
             <a:endParaRPr lang="en-US" dirty="0"/>
           </a:p>
@@ -1908,7 +1915,7 @@
             <a:fld id="{B61BEF0D-F0BB-DE4B-95CE-6DB70DBA9567}" type="datetimeFigureOut">
               <a:rPr lang="en-US" dirty="0"/>
               <a:pPr/>
-              <a:t>1/12/2018</a:t>
+              <a:t>1/13/2018</a:t>
             </a:fld>
             <a:endParaRPr lang="en-US" dirty="0"/>
           </a:p>
@@ -2272,7 +2279,7 @@
             <a:fld id="{B61BEF0D-F0BB-DE4B-95CE-6DB70DBA9567}" type="datetimeFigureOut">
               <a:rPr lang="en-US" dirty="0"/>
               <a:pPr/>
-              <a:t>1/12/2018</a:t>
+              <a:t>1/13/2018</a:t>
             </a:fld>
             <a:endParaRPr lang="en-US" dirty="0"/>
           </a:p>
@@ -2443,7 +2450,7 @@
             <a:fld id="{B61BEF0D-F0BB-DE4B-95CE-6DB70DBA9567}" type="datetimeFigureOut">
               <a:rPr lang="en-US" dirty="0"/>
               <a:pPr/>
-              <a:t>1/12/2018</a:t>
+              <a:t>1/13/2018</a:t>
             </a:fld>
             <a:endParaRPr lang="en-US" dirty="0"/>
           </a:p>
@@ -2620,7 +2627,7 @@
             <a:fld id="{B61BEF0D-F0BB-DE4B-95CE-6DB70DBA9567}" type="datetimeFigureOut">
               <a:rPr lang="en-US" dirty="0"/>
               <a:pPr/>
-              <a:t>1/12/2018</a:t>
+              <a:t>1/13/2018</a:t>
             </a:fld>
             <a:endParaRPr lang="en-US" dirty="0"/>
           </a:p>
@@ -2787,7 +2794,7 @@
             <a:fld id="{B61BEF0D-F0BB-DE4B-95CE-6DB70DBA9567}" type="datetimeFigureOut">
               <a:rPr lang="en-US" dirty="0"/>
               <a:pPr/>
-              <a:t>1/12/2018</a:t>
+              <a:t>1/13/2018</a:t>
             </a:fld>
             <a:endParaRPr lang="en-US" dirty="0"/>
           </a:p>
@@ -3034,7 +3041,7 @@
             <a:fld id="{B61BEF0D-F0BB-DE4B-95CE-6DB70DBA9567}" type="datetimeFigureOut">
               <a:rPr lang="en-US" dirty="0"/>
               <a:pPr/>
-              <a:t>1/12/2018</a:t>
+              <a:t>1/13/2018</a:t>
             </a:fld>
             <a:endParaRPr lang="en-US" dirty="0"/>
           </a:p>
@@ -3267,7 +3274,7 @@
             <a:fld id="{B61BEF0D-F0BB-DE4B-95CE-6DB70DBA9567}" type="datetimeFigureOut">
               <a:rPr lang="en-US" dirty="0"/>
               <a:pPr/>
-              <a:t>1/12/2018</a:t>
+              <a:t>1/13/2018</a:t>
             </a:fld>
             <a:endParaRPr lang="en-US" dirty="0"/>
           </a:p>
@@ -3646,7 +3653,7 @@
             <a:fld id="{B61BEF0D-F0BB-DE4B-95CE-6DB70DBA9567}" type="datetimeFigureOut">
               <a:rPr lang="en-US" dirty="0"/>
               <a:pPr/>
-              <a:t>1/12/2018</a:t>
+              <a:t>1/13/2018</a:t>
             </a:fld>
             <a:endParaRPr lang="en-US" dirty="0"/>
           </a:p>
@@ -3761,7 +3768,7 @@
             <a:fld id="{B61BEF0D-F0BB-DE4B-95CE-6DB70DBA9567}" type="datetimeFigureOut">
               <a:rPr lang="en-US" dirty="0"/>
               <a:pPr/>
-              <a:t>1/12/2018</a:t>
+              <a:t>1/13/2018</a:t>
             </a:fld>
             <a:endParaRPr lang="en-US" dirty="0"/>
           </a:p>
@@ -3853,7 +3860,7 @@
             <a:fld id="{B61BEF0D-F0BB-DE4B-95CE-6DB70DBA9567}" type="datetimeFigureOut">
               <a:rPr lang="en-US" dirty="0"/>
               <a:pPr/>
-              <a:t>1/12/2018</a:t>
+              <a:t>1/13/2018</a:t>
             </a:fld>
             <a:endParaRPr lang="en-US" dirty="0"/>
           </a:p>
@@ -4105,7 +4112,7 @@
             <a:fld id="{B61BEF0D-F0BB-DE4B-95CE-6DB70DBA9567}" type="datetimeFigureOut">
               <a:rPr lang="en-US" dirty="0"/>
               <a:pPr/>
-              <a:t>1/12/2018</a:t>
+              <a:t>1/13/2018</a:t>
             </a:fld>
             <a:endParaRPr lang="en-US" dirty="0"/>
           </a:p>
@@ -4385,7 +4392,7 @@
             <a:fld id="{B61BEF0D-F0BB-DE4B-95CE-6DB70DBA9567}" type="datetimeFigureOut">
               <a:rPr lang="en-US" dirty="0"/>
               <a:pPr/>
-              <a:t>1/12/2018</a:t>
+              <a:t>1/13/2018</a:t>
             </a:fld>
             <a:endParaRPr lang="en-US" dirty="0"/>
           </a:p>
@@ -4788,7 +4795,7 @@
             <a:fld id="{B61BEF0D-F0BB-DE4B-95CE-6DB70DBA9567}" type="datetimeFigureOut">
               <a:rPr lang="en-US" dirty="0"/>
               <a:pPr/>
-              <a:t>1/12/2018</a:t>
+              <a:t>1/13/2018</a:t>
             </a:fld>
             <a:endParaRPr lang="en-US" dirty="0"/>
           </a:p>
@@ -5343,17 +5350,10 @@
           <a:lstStyle/>
           <a:p>
             <a:r>
-              <a:rPr lang="da-DK" dirty="0"/>
-              <a:t>Bachelor Præsentation</a:t>
-            </a:r>
-            <a:br>
-              <a:rPr lang="da-DK" dirty="0"/>
-            </a:br>
-            <a:r>
-              <a:rPr lang="da-DK" sz="3600" dirty="0"/>
+              <a:rPr lang="da-DK" sz="4000" dirty="0"/>
               <a:t>Rambøll tilsyn</a:t>
             </a:r>
-            <a:endParaRPr lang="da-DK" dirty="0"/>
+            <a:endParaRPr lang="da-DK" sz="5400" dirty="0"/>
           </a:p>
         </p:txBody>
       </p:sp>
@@ -5400,6 +5400,33 @@
                 </a:solidFill>
               </a:rPr>
               <a:t>Morten Sand Knudsen</a:t>
+            </a:r>
+          </a:p>
+          <a:p>
+            <a:endParaRPr lang="da-DK" dirty="0">
+              <a:solidFill>
+                <a:schemeClr val="tx1"/>
+              </a:solidFill>
+            </a:endParaRPr>
+          </a:p>
+          <a:p>
+            <a:r>
+              <a:rPr lang="da-DK" sz="1600" dirty="0">
+                <a:solidFill>
+                  <a:schemeClr val="tx1"/>
+                </a:solidFill>
+              </a:rPr>
+              <a:t>Ingeniørhøjskolen Aarhus Universitet</a:t>
+            </a:r>
+          </a:p>
+          <a:p>
+            <a:r>
+              <a:rPr lang="da-DK" sz="1600" dirty="0">
+                <a:solidFill>
+                  <a:schemeClr val="tx1"/>
+                </a:solidFill>
+              </a:rPr>
+              <a:t>15/1-2018</a:t>
             </a:r>
           </a:p>
         </p:txBody>
@@ -5549,7 +5576,7 @@
           <p:cNvPr id="2" name="Titel 1">
             <a:extLst>
               <a:ext uri="{FF2B5EF4-FFF2-40B4-BE49-F238E27FC236}">
-                <a16:creationId xmlns:a16="http://schemas.microsoft.com/office/drawing/2014/main" id="{CED52440-2C28-4DEE-AB43-542322FB3922}"/>
+                <a16:creationId xmlns:a16="http://schemas.microsoft.com/office/drawing/2014/main" id="{F1894C30-A964-4F97-912B-486ED94FA127}"/>
               </a:ext>
             </a:extLst>
           </p:cNvPr>
@@ -5567,7 +5594,7 @@
           <a:p>
             <a:r>
               <a:rPr lang="da-DK" dirty="0"/>
-              <a:t>Kravspecifikationen</a:t>
+              <a:t>Metode og Proces</a:t>
             </a:r>
           </a:p>
         </p:txBody>
@@ -5577,7 +5604,7 @@
           <p:cNvPr id="3" name="Pladsholder til indhold 2">
             <a:extLst>
               <a:ext uri="{FF2B5EF4-FFF2-40B4-BE49-F238E27FC236}">
-                <a16:creationId xmlns:a16="http://schemas.microsoft.com/office/drawing/2014/main" id="{5DC4E152-2C39-48C8-8E63-D197FFE9CC6F}"/>
+                <a16:creationId xmlns:a16="http://schemas.microsoft.com/office/drawing/2014/main" id="{221675E8-1515-44CD-8528-8723FB0BF47E}"/>
               </a:ext>
             </a:extLst>
           </p:cNvPr>
@@ -5599,15 +5626,65 @@
                   <a:schemeClr val="tx1"/>
                 </a:solidFill>
               </a:rPr>
-              <a:t>MoSCoW</a:t>
-            </a:r>
-          </a:p>
-        </p:txBody>
-      </p:sp>
+              <a:t>ASE Modellen</a:t>
+            </a:r>
+          </a:p>
+          <a:p>
+            <a:r>
+              <a:rPr lang="da-DK" dirty="0">
+                <a:solidFill>
+                  <a:schemeClr val="tx1"/>
+                </a:solidFill>
+              </a:rPr>
+              <a:t>Kanban</a:t>
+            </a:r>
+          </a:p>
+          <a:p>
+            <a:r>
+              <a:rPr lang="da-DK" dirty="0">
+                <a:solidFill>
+                  <a:schemeClr val="tx1"/>
+                </a:solidFill>
+              </a:rPr>
+              <a:t>Versionshistorik</a:t>
+            </a:r>
+          </a:p>
+        </p:txBody>
+      </p:sp>
+      <p:pic>
+        <p:nvPicPr>
+          <p:cNvPr id="5" name="Billede 4">
+            <a:extLst>
+              <a:ext uri="{FF2B5EF4-FFF2-40B4-BE49-F238E27FC236}">
+                <a16:creationId xmlns:a16="http://schemas.microsoft.com/office/drawing/2014/main" id="{C4D5EE8F-3B4B-4C47-BAE0-A431ABEEC169}"/>
+              </a:ext>
+            </a:extLst>
+          </p:cNvPr>
+          <p:cNvPicPr>
+            <a:picLocks noChangeAspect="1"/>
+          </p:cNvPicPr>
+          <p:nvPr/>
+        </p:nvPicPr>
+        <p:blipFill>
+          <a:blip r:embed="rId2"/>
+          <a:stretch>
+            <a:fillRect/>
+          </a:stretch>
+        </p:blipFill>
+        <p:spPr>
+          <a:xfrm>
+            <a:off x="4342887" y="685800"/>
+            <a:ext cx="6176761" cy="3801532"/>
+          </a:xfrm>
+          <a:prstGeom prst="rect">
+            <a:avLst/>
+          </a:prstGeom>
+        </p:spPr>
+      </p:pic>
     </p:spTree>
     <p:extLst>
       <p:ext uri="{BB962C8B-B14F-4D97-AF65-F5344CB8AC3E}">
-        <p14:creationId xmlns:p14="http://schemas.microsoft.com/office/powerpoint/2010/main" val="3547245415"/>
+        <p14:creationId xmlns:p14="http://schemas.microsoft.com/office/powerpoint/2010/main" val="3219840966"/>
       </p:ext>
     </p:extLst>
   </p:cSld>
@@ -5639,7 +5716,7 @@
           <p:cNvPr id="2" name="Titel 1">
             <a:extLst>
               <a:ext uri="{FF2B5EF4-FFF2-40B4-BE49-F238E27FC236}">
-                <a16:creationId xmlns:a16="http://schemas.microsoft.com/office/drawing/2014/main" id="{F477D318-38E8-4BD9-9E4F-EF142A0E9C63}"/>
+                <a16:creationId xmlns:a16="http://schemas.microsoft.com/office/drawing/2014/main" id="{CED52440-2C28-4DEE-AB43-542322FB3922}"/>
               </a:ext>
             </a:extLst>
           </p:cNvPr>
@@ -5657,7 +5734,7 @@
           <a:p>
             <a:r>
               <a:rPr lang="da-DK" dirty="0"/>
-              <a:t>Arkitektur</a:t>
+              <a:t>Kravspecifikationen</a:t>
             </a:r>
           </a:p>
         </p:txBody>
@@ -5667,7 +5744,7 @@
           <p:cNvPr id="3" name="Pladsholder til indhold 2">
             <a:extLst>
               <a:ext uri="{FF2B5EF4-FFF2-40B4-BE49-F238E27FC236}">
-                <a16:creationId xmlns:a16="http://schemas.microsoft.com/office/drawing/2014/main" id="{08BB0E38-F5D7-4247-94EA-6015D41DC273}"/>
+                <a16:creationId xmlns:a16="http://schemas.microsoft.com/office/drawing/2014/main" id="{5DC4E152-2C39-48C8-8E63-D197FFE9CC6F}"/>
               </a:ext>
             </a:extLst>
           </p:cNvPr>
@@ -5683,14 +5760,31 @@
           <a:bodyPr/>
           <a:lstStyle/>
           <a:p>
-            <a:endParaRPr lang="da-DK"/>
+            <a:r>
+              <a:rPr lang="da-DK" dirty="0">
+                <a:solidFill>
+                  <a:schemeClr val="tx1"/>
+                </a:solidFill>
+              </a:rPr>
+              <a:t>Workshop med Rambøll</a:t>
+            </a:r>
+          </a:p>
+          <a:p>
+            <a:r>
+              <a:rPr lang="da-DK" dirty="0">
+                <a:solidFill>
+                  <a:schemeClr val="tx1"/>
+                </a:solidFill>
+              </a:rPr>
+              <a:t>MoSCoW</a:t>
+            </a:r>
           </a:p>
         </p:txBody>
       </p:sp>
     </p:spTree>
     <p:extLst>
       <p:ext uri="{BB962C8B-B14F-4D97-AF65-F5344CB8AC3E}">
-        <p14:creationId xmlns:p14="http://schemas.microsoft.com/office/powerpoint/2010/main" val="3643207909"/>
+        <p14:creationId xmlns:p14="http://schemas.microsoft.com/office/powerpoint/2010/main" val="3547245415"/>
       </p:ext>
     </p:extLst>
   </p:cSld>
@@ -5722,7 +5816,7 @@
           <p:cNvPr id="2" name="Titel 1">
             <a:extLst>
               <a:ext uri="{FF2B5EF4-FFF2-40B4-BE49-F238E27FC236}">
-                <a16:creationId xmlns:a16="http://schemas.microsoft.com/office/drawing/2014/main" id="{487F692C-A9F4-4F7D-96E4-B3BC7A01B3BE}"/>
+                <a16:creationId xmlns:a16="http://schemas.microsoft.com/office/drawing/2014/main" id="{F477D318-38E8-4BD9-9E4F-EF142A0E9C63}"/>
               </a:ext>
             </a:extLst>
           </p:cNvPr>
@@ -5740,7 +5834,7 @@
           <a:p>
             <a:r>
               <a:rPr lang="da-DK" dirty="0"/>
-              <a:t>Design og Implementering</a:t>
+              <a:t>Arkitektur</a:t>
             </a:r>
           </a:p>
         </p:txBody>
@@ -5750,7 +5844,7 @@
           <p:cNvPr id="3" name="Pladsholder til indhold 2">
             <a:extLst>
               <a:ext uri="{FF2B5EF4-FFF2-40B4-BE49-F238E27FC236}">
-                <a16:creationId xmlns:a16="http://schemas.microsoft.com/office/drawing/2014/main" id="{D37537B8-C6AA-464D-BF7A-6F6767E0A8E7}"/>
+                <a16:creationId xmlns:a16="http://schemas.microsoft.com/office/drawing/2014/main" id="{08BB0E38-F5D7-4247-94EA-6015D41DC273}"/>
               </a:ext>
             </a:extLst>
           </p:cNvPr>
@@ -5766,14 +5860,51 @@
           <a:bodyPr/>
           <a:lstStyle/>
           <a:p>
-            <a:endParaRPr lang="da-DK"/>
-          </a:p>
-        </p:txBody>
-      </p:sp>
+            <a:r>
+              <a:rPr lang="da-DK" dirty="0">
+                <a:solidFill>
+                  <a:schemeClr val="tx1"/>
+                </a:solidFill>
+              </a:rPr>
+              <a:t>Danne overblik</a:t>
+            </a:r>
+          </a:p>
+        </p:txBody>
+      </p:sp>
+      <p:pic>
+        <p:nvPicPr>
+          <p:cNvPr id="7" name="Billede 6">
+            <a:extLst>
+              <a:ext uri="{FF2B5EF4-FFF2-40B4-BE49-F238E27FC236}">
+                <a16:creationId xmlns:a16="http://schemas.microsoft.com/office/drawing/2014/main" id="{2F32C7B2-6797-45B9-A055-8969B9A822FD}"/>
+              </a:ext>
+            </a:extLst>
+          </p:cNvPr>
+          <p:cNvPicPr>
+            <a:picLocks noChangeAspect="1"/>
+          </p:cNvPicPr>
+          <p:nvPr/>
+        </p:nvPicPr>
+        <p:blipFill>
+          <a:blip r:embed="rId2"/>
+          <a:stretch>
+            <a:fillRect/>
+          </a:stretch>
+        </p:blipFill>
+        <p:spPr>
+          <a:xfrm>
+            <a:off x="3853709" y="685800"/>
+            <a:ext cx="6197560" cy="4070587"/>
+          </a:xfrm>
+          <a:prstGeom prst="rect">
+            <a:avLst/>
+          </a:prstGeom>
+        </p:spPr>
+      </p:pic>
     </p:spTree>
     <p:extLst>
       <p:ext uri="{BB962C8B-B14F-4D97-AF65-F5344CB8AC3E}">
-        <p14:creationId xmlns:p14="http://schemas.microsoft.com/office/powerpoint/2010/main" val="1622453067"/>
+        <p14:creationId xmlns:p14="http://schemas.microsoft.com/office/powerpoint/2010/main" val="3643207909"/>
       </p:ext>
     </p:extLst>
   </p:cSld>
@@ -5805,7 +5936,7 @@
           <p:cNvPr id="2" name="Titel 1">
             <a:extLst>
               <a:ext uri="{FF2B5EF4-FFF2-40B4-BE49-F238E27FC236}">
-                <a16:creationId xmlns:a16="http://schemas.microsoft.com/office/drawing/2014/main" id="{6542D32B-861F-46EA-8EDA-B808F8175ACE}"/>
+                <a16:creationId xmlns:a16="http://schemas.microsoft.com/office/drawing/2014/main" id="{487F692C-A9F4-4F7D-96E4-B3BC7A01B3BE}"/>
               </a:ext>
             </a:extLst>
           </p:cNvPr>
@@ -5823,7 +5954,7 @@
           <a:p>
             <a:r>
               <a:rPr lang="da-DK" dirty="0"/>
-              <a:t>Resultater</a:t>
+              <a:t>Design og Implementering</a:t>
             </a:r>
           </a:p>
         </p:txBody>
@@ -5833,7 +5964,7 @@
           <p:cNvPr id="3" name="Pladsholder til indhold 2">
             <a:extLst>
               <a:ext uri="{FF2B5EF4-FFF2-40B4-BE49-F238E27FC236}">
-                <a16:creationId xmlns:a16="http://schemas.microsoft.com/office/drawing/2014/main" id="{CF677033-55C7-4CDB-B147-04B5347935C2}"/>
+                <a16:creationId xmlns:a16="http://schemas.microsoft.com/office/drawing/2014/main" id="{D37537B8-C6AA-464D-BF7A-6F6767E0A8E7}"/>
               </a:ext>
             </a:extLst>
           </p:cNvPr>
@@ -5849,14 +5980,68 @@
           <a:bodyPr/>
           <a:lstStyle/>
           <a:p>
-            <a:endParaRPr lang="da-DK"/>
-          </a:p>
-        </p:txBody>
-      </p:sp>
+            <a:r>
+              <a:rPr lang="da-DK" dirty="0">
+                <a:solidFill>
+                  <a:schemeClr val="tx1"/>
+                </a:solidFill>
+              </a:rPr>
+              <a:t>Firebase</a:t>
+            </a:r>
+          </a:p>
+          <a:p>
+            <a:r>
+              <a:rPr lang="da-DK" dirty="0">
+                <a:solidFill>
+                  <a:schemeClr val="tx1"/>
+                </a:solidFill>
+              </a:rPr>
+              <a:t>Xamarin</a:t>
+            </a:r>
+          </a:p>
+          <a:p>
+            <a:endParaRPr lang="da-DK" dirty="0">
+              <a:solidFill>
+                <a:schemeClr val="tx1"/>
+              </a:solidFill>
+            </a:endParaRPr>
+          </a:p>
+        </p:txBody>
+      </p:sp>
+      <p:pic>
+        <p:nvPicPr>
+          <p:cNvPr id="5" name="Billede 4">
+            <a:extLst>
+              <a:ext uri="{FF2B5EF4-FFF2-40B4-BE49-F238E27FC236}">
+                <a16:creationId xmlns:a16="http://schemas.microsoft.com/office/drawing/2014/main" id="{6B8E0ADA-08F2-4DA7-A9EF-A66BC4EC2A51}"/>
+              </a:ext>
+            </a:extLst>
+          </p:cNvPr>
+          <p:cNvPicPr>
+            <a:picLocks noChangeAspect="1"/>
+          </p:cNvPicPr>
+          <p:nvPr/>
+        </p:nvPicPr>
+        <p:blipFill>
+          <a:blip r:embed="rId2"/>
+          <a:stretch>
+            <a:fillRect/>
+          </a:stretch>
+        </p:blipFill>
+        <p:spPr>
+          <a:xfrm>
+            <a:off x="4045086" y="1267904"/>
+            <a:ext cx="6548336" cy="2476462"/>
+          </a:xfrm>
+          <a:prstGeom prst="rect">
+            <a:avLst/>
+          </a:prstGeom>
+        </p:spPr>
+      </p:pic>
     </p:spTree>
     <p:extLst>
       <p:ext uri="{BB962C8B-B14F-4D97-AF65-F5344CB8AC3E}">
-        <p14:creationId xmlns:p14="http://schemas.microsoft.com/office/powerpoint/2010/main" val="2272101199"/>
+        <p14:creationId xmlns:p14="http://schemas.microsoft.com/office/powerpoint/2010/main" val="1622453067"/>
       </p:ext>
     </p:extLst>
   </p:cSld>
@@ -5888,6 +6073,106 @@
           <p:cNvPr id="2" name="Titel 1">
             <a:extLst>
               <a:ext uri="{FF2B5EF4-FFF2-40B4-BE49-F238E27FC236}">
+                <a16:creationId xmlns:a16="http://schemas.microsoft.com/office/drawing/2014/main" id="{6542D32B-861F-46EA-8EDA-B808F8175ACE}"/>
+              </a:ext>
+            </a:extLst>
+          </p:cNvPr>
+          <p:cNvSpPr>
+            <a:spLocks noGrp="1"/>
+          </p:cNvSpPr>
+          <p:nvPr>
+            <p:ph type="title"/>
+          </p:nvPr>
+        </p:nvSpPr>
+        <p:spPr/>
+        <p:txBody>
+          <a:bodyPr/>
+          <a:lstStyle/>
+          <a:p>
+            <a:r>
+              <a:rPr lang="da-DK" dirty="0"/>
+              <a:t>Resultater</a:t>
+            </a:r>
+          </a:p>
+        </p:txBody>
+      </p:sp>
+      <p:sp>
+        <p:nvSpPr>
+          <p:cNvPr id="3" name="Pladsholder til indhold 2">
+            <a:extLst>
+              <a:ext uri="{FF2B5EF4-FFF2-40B4-BE49-F238E27FC236}">
+                <a16:creationId xmlns:a16="http://schemas.microsoft.com/office/drawing/2014/main" id="{CF677033-55C7-4CDB-B147-04B5347935C2}"/>
+              </a:ext>
+            </a:extLst>
+          </p:cNvPr>
+          <p:cNvSpPr>
+            <a:spLocks noGrp="1"/>
+          </p:cNvSpPr>
+          <p:nvPr>
+            <p:ph idx="1"/>
+          </p:nvPr>
+        </p:nvSpPr>
+        <p:spPr/>
+        <p:txBody>
+          <a:bodyPr/>
+          <a:lstStyle/>
+          <a:p>
+            <a:r>
+              <a:rPr lang="da-DK" dirty="0">
+                <a:solidFill>
+                  <a:schemeClr val="tx1"/>
+                </a:solidFill>
+              </a:rPr>
+              <a:t>Næsten minimum viable product</a:t>
+            </a:r>
+          </a:p>
+          <a:p>
+            <a:r>
+              <a:rPr lang="da-DK" dirty="0">
+                <a:solidFill>
+                  <a:schemeClr val="tx1"/>
+                </a:solidFill>
+              </a:rPr>
+              <a:t>MoSCoW</a:t>
+            </a:r>
+          </a:p>
+        </p:txBody>
+      </p:sp>
+    </p:spTree>
+    <p:extLst>
+      <p:ext uri="{BB962C8B-B14F-4D97-AF65-F5344CB8AC3E}">
+        <p14:creationId xmlns:p14="http://schemas.microsoft.com/office/powerpoint/2010/main" val="2272101199"/>
+      </p:ext>
+    </p:extLst>
+  </p:cSld>
+  <p:clrMapOvr>
+    <a:masterClrMapping/>
+  </p:clrMapOvr>
+</p:sld>
+</file>
+
+<file path=ppt/slides/slide8.xml><?xml version="1.0" encoding="utf-8"?>
+<p:sld xmlns:a="http://schemas.openxmlformats.org/drawingml/2006/main" xmlns:r="http://schemas.openxmlformats.org/officeDocument/2006/relationships" xmlns:p="http://schemas.openxmlformats.org/presentationml/2006/main">
+  <p:cSld>
+    <p:spTree>
+      <p:nvGrpSpPr>
+        <p:cNvPr id="1" name=""/>
+        <p:cNvGrpSpPr/>
+        <p:nvPr/>
+      </p:nvGrpSpPr>
+      <p:grpSpPr>
+        <a:xfrm>
+          <a:off x="0" y="0"/>
+          <a:ext cx="0" cy="0"/>
+          <a:chOff x="0" y="0"/>
+          <a:chExt cx="0" cy="0"/>
+        </a:xfrm>
+      </p:grpSpPr>
+      <p:sp>
+        <p:nvSpPr>
+          <p:cNvPr id="2" name="Titel 1">
+            <a:extLst>
+              <a:ext uri="{FF2B5EF4-FFF2-40B4-BE49-F238E27FC236}">
                 <a16:creationId xmlns:a16="http://schemas.microsoft.com/office/drawing/2014/main" id="{CCCF1C02-72F4-4CCC-85F1-B4E806D1C796}"/>
               </a:ext>
             </a:extLst>
@@ -5936,7 +6221,41 @@
           <a:bodyPr/>
           <a:lstStyle/>
           <a:p>
-            <a:endParaRPr lang="da-DK"/>
+            <a:r>
+              <a:rPr lang="da-DK" dirty="0">
+                <a:solidFill>
+                  <a:schemeClr val="tx1"/>
+                </a:solidFill>
+              </a:rPr>
+              <a:t>Cross platform vs. Native</a:t>
+            </a:r>
+          </a:p>
+          <a:p>
+            <a:r>
+              <a:rPr lang="da-DK" dirty="0">
+                <a:solidFill>
+                  <a:schemeClr val="tx1"/>
+                </a:solidFill>
+              </a:rPr>
+              <a:t>Kanban</a:t>
+            </a:r>
+          </a:p>
+          <a:p>
+            <a:r>
+              <a:rPr lang="da-DK" dirty="0">
+                <a:solidFill>
+                  <a:schemeClr val="tx1"/>
+                </a:solidFill>
+              </a:rPr>
+              <a:t>Nye teknologier</a:t>
+            </a:r>
+          </a:p>
+          <a:p>
+            <a:endParaRPr lang="da-DK" dirty="0">
+              <a:solidFill>
+                <a:schemeClr val="tx1"/>
+              </a:solidFill>
+            </a:endParaRPr>
           </a:p>
         </p:txBody>
       </p:sp>
@@ -5944,6 +6263,64 @@
     <p:extLst>
       <p:ext uri="{BB962C8B-B14F-4D97-AF65-F5344CB8AC3E}">
         <p14:creationId xmlns:p14="http://schemas.microsoft.com/office/powerpoint/2010/main" val="1562033511"/>
+      </p:ext>
+    </p:extLst>
+  </p:cSld>
+  <p:clrMapOvr>
+    <a:masterClrMapping/>
+  </p:clrMapOvr>
+</p:sld>
+</file>
+
+<file path=ppt/slides/slide9.xml><?xml version="1.0" encoding="utf-8"?>
+<p:sld xmlns:a="http://schemas.openxmlformats.org/drawingml/2006/main" xmlns:r="http://schemas.openxmlformats.org/officeDocument/2006/relationships" xmlns:p="http://schemas.openxmlformats.org/presentationml/2006/main">
+  <p:cSld>
+    <p:spTree>
+      <p:nvGrpSpPr>
+        <p:cNvPr id="1" name=""/>
+        <p:cNvGrpSpPr/>
+        <p:nvPr/>
+      </p:nvGrpSpPr>
+      <p:grpSpPr>
+        <a:xfrm>
+          <a:off x="0" y="0"/>
+          <a:ext cx="0" cy="0"/>
+          <a:chOff x="0" y="0"/>
+          <a:chExt cx="0" cy="0"/>
+        </a:xfrm>
+      </p:grpSpPr>
+      <p:sp>
+        <p:nvSpPr>
+          <p:cNvPr id="2" name="Titel 1">
+            <a:extLst>
+              <a:ext uri="{FF2B5EF4-FFF2-40B4-BE49-F238E27FC236}">
+                <a16:creationId xmlns:a16="http://schemas.microsoft.com/office/drawing/2014/main" id="{E6C9CFE4-57AC-42BC-8906-ACDEF34F419D}"/>
+              </a:ext>
+            </a:extLst>
+          </p:cNvPr>
+          <p:cNvSpPr>
+            <a:spLocks noGrp="1"/>
+          </p:cNvSpPr>
+          <p:nvPr>
+            <p:ph type="ctrTitle"/>
+          </p:nvPr>
+        </p:nvSpPr>
+        <p:spPr/>
+        <p:txBody>
+          <a:bodyPr/>
+          <a:lstStyle/>
+          <a:p>
+            <a:r>
+              <a:rPr lang="da-DK" dirty="0"/>
+              <a:t>DEMO</a:t>
+            </a:r>
+          </a:p>
+        </p:txBody>
+      </p:sp>
+    </p:spTree>
+    <p:extLst>
+      <p:ext uri="{BB962C8B-B14F-4D97-AF65-F5344CB8AC3E}">
+        <p14:creationId xmlns:p14="http://schemas.microsoft.com/office/powerpoint/2010/main" val="3454075755"/>
       </p:ext>
     </p:extLst>
   </p:cSld>

--- a/Bachelor Præsentation.pptx
+++ b/Bachelor Præsentation.pptx
@@ -316,7 +316,7 @@
             <a:fld id="{B61BEF0D-F0BB-DE4B-95CE-6DB70DBA9567}" type="datetimeFigureOut">
               <a:rPr lang="en-US" dirty="0"/>
               <a:pPr/>
-              <a:t>1/13/2018</a:t>
+              <a:t>1/14/2018</a:t>
             </a:fld>
             <a:endParaRPr lang="en-US" dirty="0"/>
           </a:p>
@@ -749,7 +749,7 @@
             <a:fld id="{B61BEF0D-F0BB-DE4B-95CE-6DB70DBA9567}" type="datetimeFigureOut">
               <a:rPr lang="en-US" dirty="0"/>
               <a:pPr/>
-              <a:t>1/13/2018</a:t>
+              <a:t>1/14/2018</a:t>
             </a:fld>
             <a:endParaRPr lang="en-US" dirty="0"/>
           </a:p>
@@ -996,7 +996,7 @@
             <a:fld id="{B61BEF0D-F0BB-DE4B-95CE-6DB70DBA9567}" type="datetimeFigureOut">
               <a:rPr lang="en-US" dirty="0"/>
               <a:pPr/>
-              <a:t>1/13/2018</a:t>
+              <a:t>1/14/2018</a:t>
             </a:fld>
             <a:endParaRPr lang="en-US" dirty="0"/>
           </a:p>
@@ -1301,7 +1301,7 @@
             <a:fld id="{B61BEF0D-F0BB-DE4B-95CE-6DB70DBA9567}" type="datetimeFigureOut">
               <a:rPr lang="en-US" dirty="0"/>
               <a:pPr/>
-              <a:t>1/13/2018</a:t>
+              <a:t>1/14/2018</a:t>
             </a:fld>
             <a:endParaRPr lang="en-US" dirty="0"/>
           </a:p>
@@ -1616,7 +1616,7 @@
             <a:fld id="{B61BEF0D-F0BB-DE4B-95CE-6DB70DBA9567}" type="datetimeFigureOut">
               <a:rPr lang="en-US" dirty="0"/>
               <a:pPr/>
-              <a:t>1/13/2018</a:t>
+              <a:t>1/14/2018</a:t>
             </a:fld>
             <a:endParaRPr lang="en-US" dirty="0"/>
           </a:p>
@@ -1915,7 +1915,7 @@
             <a:fld id="{B61BEF0D-F0BB-DE4B-95CE-6DB70DBA9567}" type="datetimeFigureOut">
               <a:rPr lang="en-US" dirty="0"/>
               <a:pPr/>
-              <a:t>1/13/2018</a:t>
+              <a:t>1/14/2018</a:t>
             </a:fld>
             <a:endParaRPr lang="en-US" dirty="0"/>
           </a:p>
@@ -2279,7 +2279,7 @@
             <a:fld id="{B61BEF0D-F0BB-DE4B-95CE-6DB70DBA9567}" type="datetimeFigureOut">
               <a:rPr lang="en-US" dirty="0"/>
               <a:pPr/>
-              <a:t>1/13/2018</a:t>
+              <a:t>1/14/2018</a:t>
             </a:fld>
             <a:endParaRPr lang="en-US" dirty="0"/>
           </a:p>
@@ -2450,7 +2450,7 @@
             <a:fld id="{B61BEF0D-F0BB-DE4B-95CE-6DB70DBA9567}" type="datetimeFigureOut">
               <a:rPr lang="en-US" dirty="0"/>
               <a:pPr/>
-              <a:t>1/13/2018</a:t>
+              <a:t>1/14/2018</a:t>
             </a:fld>
             <a:endParaRPr lang="en-US" dirty="0"/>
           </a:p>
@@ -2627,7 +2627,7 @@
             <a:fld id="{B61BEF0D-F0BB-DE4B-95CE-6DB70DBA9567}" type="datetimeFigureOut">
               <a:rPr lang="en-US" dirty="0"/>
               <a:pPr/>
-              <a:t>1/13/2018</a:t>
+              <a:t>1/14/2018</a:t>
             </a:fld>
             <a:endParaRPr lang="en-US" dirty="0"/>
           </a:p>
@@ -2794,7 +2794,7 @@
             <a:fld id="{B61BEF0D-F0BB-DE4B-95CE-6DB70DBA9567}" type="datetimeFigureOut">
               <a:rPr lang="en-US" dirty="0"/>
               <a:pPr/>
-              <a:t>1/13/2018</a:t>
+              <a:t>1/14/2018</a:t>
             </a:fld>
             <a:endParaRPr lang="en-US" dirty="0"/>
           </a:p>
@@ -3041,7 +3041,7 @@
             <a:fld id="{B61BEF0D-F0BB-DE4B-95CE-6DB70DBA9567}" type="datetimeFigureOut">
               <a:rPr lang="en-US" dirty="0"/>
               <a:pPr/>
-              <a:t>1/13/2018</a:t>
+              <a:t>1/14/2018</a:t>
             </a:fld>
             <a:endParaRPr lang="en-US" dirty="0"/>
           </a:p>
@@ -3274,7 +3274,7 @@
             <a:fld id="{B61BEF0D-F0BB-DE4B-95CE-6DB70DBA9567}" type="datetimeFigureOut">
               <a:rPr lang="en-US" dirty="0"/>
               <a:pPr/>
-              <a:t>1/13/2018</a:t>
+              <a:t>1/14/2018</a:t>
             </a:fld>
             <a:endParaRPr lang="en-US" dirty="0"/>
           </a:p>
@@ -3653,7 +3653,7 @@
             <a:fld id="{B61BEF0D-F0BB-DE4B-95CE-6DB70DBA9567}" type="datetimeFigureOut">
               <a:rPr lang="en-US" dirty="0"/>
               <a:pPr/>
-              <a:t>1/13/2018</a:t>
+              <a:t>1/14/2018</a:t>
             </a:fld>
             <a:endParaRPr lang="en-US" dirty="0"/>
           </a:p>
@@ -3768,7 +3768,7 @@
             <a:fld id="{B61BEF0D-F0BB-DE4B-95CE-6DB70DBA9567}" type="datetimeFigureOut">
               <a:rPr lang="en-US" dirty="0"/>
               <a:pPr/>
-              <a:t>1/13/2018</a:t>
+              <a:t>1/14/2018</a:t>
             </a:fld>
             <a:endParaRPr lang="en-US" dirty="0"/>
           </a:p>
@@ -3860,7 +3860,7 @@
             <a:fld id="{B61BEF0D-F0BB-DE4B-95CE-6DB70DBA9567}" type="datetimeFigureOut">
               <a:rPr lang="en-US" dirty="0"/>
               <a:pPr/>
-              <a:t>1/13/2018</a:t>
+              <a:t>1/14/2018</a:t>
             </a:fld>
             <a:endParaRPr lang="en-US" dirty="0"/>
           </a:p>
@@ -4112,7 +4112,7 @@
             <a:fld id="{B61BEF0D-F0BB-DE4B-95CE-6DB70DBA9567}" type="datetimeFigureOut">
               <a:rPr lang="en-US" dirty="0"/>
               <a:pPr/>
-              <a:t>1/13/2018</a:t>
+              <a:t>1/14/2018</a:t>
             </a:fld>
             <a:endParaRPr lang="en-US" dirty="0"/>
           </a:p>
@@ -4392,7 +4392,7 @@
             <a:fld id="{B61BEF0D-F0BB-DE4B-95CE-6DB70DBA9567}" type="datetimeFigureOut">
               <a:rPr lang="en-US" dirty="0"/>
               <a:pPr/>
-              <a:t>1/13/2018</a:t>
+              <a:t>1/14/2018</a:t>
             </a:fld>
             <a:endParaRPr lang="en-US" dirty="0"/>
           </a:p>
@@ -4795,7 +4795,7 @@
             <a:fld id="{B61BEF0D-F0BB-DE4B-95CE-6DB70DBA9567}" type="datetimeFigureOut">
               <a:rPr lang="en-US" dirty="0"/>
               <a:pPr/>
-              <a:t>1/13/2018</a:t>
+              <a:t>1/14/2018</a:t>
             </a:fld>
             <a:endParaRPr lang="en-US" dirty="0"/>
           </a:p>
@@ -5781,6 +5781,53 @@
           </a:p>
         </p:txBody>
       </p:sp>
+      <p:pic>
+        <p:nvPicPr>
+          <p:cNvPr id="1026" name="Picture 2" descr="Billedresultat for moscow analyse">
+            <a:extLst>
+              <a:ext uri="{FF2B5EF4-FFF2-40B4-BE49-F238E27FC236}">
+                <a16:creationId xmlns:a16="http://schemas.microsoft.com/office/drawing/2014/main" id="{AD94E37C-1244-4955-AA98-CBBCA7048590}"/>
+              </a:ext>
+            </a:extLst>
+          </p:cNvPr>
+          <p:cNvPicPr>
+            <a:picLocks noChangeAspect="1" noChangeArrowheads="1"/>
+          </p:cNvPicPr>
+          <p:nvPr/>
+        </p:nvPicPr>
+        <p:blipFill>
+          <a:blip r:embed="rId2">
+            <a:extLst>
+              <a:ext uri="{28A0092B-C50C-407E-A947-70E740481C1C}">
+                <a14:useLocalDpi xmlns:a14="http://schemas.microsoft.com/office/drawing/2010/main" val="0"/>
+              </a:ext>
+            </a:extLst>
+          </a:blip>
+          <a:srcRect/>
+          <a:stretch>
+            <a:fillRect/>
+          </a:stretch>
+        </p:blipFill>
+        <p:spPr bwMode="auto">
+          <a:xfrm>
+            <a:off x="6096000" y="924982"/>
+            <a:ext cx="4086225" cy="3562350"/>
+          </a:xfrm>
+          <a:prstGeom prst="rect">
+            <a:avLst/>
+          </a:prstGeom>
+          <a:noFill/>
+          <a:extLst>
+            <a:ext uri="{909E8E84-426E-40DD-AFC4-6F175D3DCCD1}">
+              <a14:hiddenFill xmlns:a14="http://schemas.microsoft.com/office/drawing/2010/main">
+                <a:solidFill>
+                  <a:srgbClr val="FFFFFF"/>
+                </a:solidFill>
+              </a14:hiddenFill>
+            </a:ext>
+          </a:extLst>
+        </p:spPr>
+      </p:pic>
     </p:spTree>
     <p:extLst>
       <p:ext uri="{BB962C8B-B14F-4D97-AF65-F5344CB8AC3E}">
@@ -5866,7 +5913,7 @@
                   <a:schemeClr val="tx1"/>
                 </a:solidFill>
               </a:rPr>
-              <a:t>Danne overblik</a:t>
+              <a:t>Overblik billede</a:t>
             </a:r>
           </a:p>
         </p:txBody>
@@ -6191,11 +6238,7 @@
           <a:p>
             <a:r>
               <a:rPr lang="da-DK" dirty="0"/>
-              <a:t>Erfaringer </a:t>
-            </a:r>
-            <a:r>
-              <a:rPr lang="da-DK"/>
-              <a:t>og konklusion</a:t>
+              <a:t>Erfaringer og konklusion</a:t>
             </a:r>
           </a:p>
         </p:txBody>
